--- a/SOCKS LABEL.pptx
+++ b/SOCKS LABEL.pptx
@@ -3123,7 +3123,7 @@
           <p:cNvPr id="3" name="Picture 2">
             <a:extLst>
               <a:ext uri="{FF2B5EF4-FFF2-40B4-BE49-F238E27FC236}">
-                <a16:creationId xmlns:a16="http://schemas.microsoft.com/office/drawing/2014/main" xmlns="" id="{D7C813D9-65EA-47BB-BC50-BFC1C3582361}"/>
+                <a16:creationId xmlns="" xmlns:a16="http://schemas.microsoft.com/office/drawing/2014/main" id="{D7C813D9-65EA-47BB-BC50-BFC1C3582361}"/>
               </a:ext>
             </a:extLst>
           </p:cNvPr>
@@ -3397,410 +3397,415 @@
           <a:chExt cx="0" cy="0"/>
         </a:xfrm>
       </p:grpSpPr>
+      <p:sp>
+        <p:nvSpPr>
+          <p:cNvPr id="16" name="Rectangle 15"/>
+          <p:cNvSpPr/>
+          <p:nvPr/>
+        </p:nvSpPr>
+        <p:spPr>
+          <a:xfrm>
+            <a:off x="-1" y="-1"/>
+            <a:ext cx="2519363" cy="7559675"/>
+          </a:xfrm>
+          <a:prstGeom prst="rect">
+            <a:avLst/>
+          </a:prstGeom>
+          <a:solidFill>
+            <a:srgbClr val="FFFF85"/>
+          </a:solidFill>
+        </p:spPr>
+        <p:style>
+          <a:lnRef idx="2">
+            <a:schemeClr val="accent1">
+              <a:shade val="50000"/>
+            </a:schemeClr>
+          </a:lnRef>
+          <a:fillRef idx="1">
+            <a:schemeClr val="accent1"/>
+          </a:fillRef>
+          <a:effectRef idx="0">
+            <a:schemeClr val="accent1"/>
+          </a:effectRef>
+          <a:fontRef idx="minor">
+            <a:schemeClr val="lt1"/>
+          </a:fontRef>
+        </p:style>
+        <p:txBody>
+          <a:bodyPr rtlCol="0" anchor="ctr"/>
+          <a:lstStyle/>
+          <a:p>
+            <a:pPr algn="ctr"/>
+            <a:endParaRPr lang="en-US"/>
+          </a:p>
+        </p:txBody>
+      </p:sp>
+      <p:sp>
+        <p:nvSpPr>
+          <p:cNvPr id="10" name="TextBox 9"/>
+          <p:cNvSpPr txBox="1"/>
+          <p:nvPr/>
+        </p:nvSpPr>
+        <p:spPr>
+          <a:xfrm>
+            <a:off x="6108702" y="8921366"/>
+            <a:ext cx="1604434" cy="584775"/>
+          </a:xfrm>
+          <a:prstGeom prst="rect">
+            <a:avLst/>
+          </a:prstGeom>
+          <a:noFill/>
+        </p:spPr>
+        <p:txBody>
+          <a:bodyPr wrap="square" rtlCol="0">
+            <a:spAutoFit/>
+          </a:bodyPr>
+          <a:lstStyle/>
+          <a:p>
+            <a:pPr algn="ctr"/>
+            <a:r>
+              <a:rPr lang="en-US" sz="3200"/>
+              <a:t>70mm</a:t>
+            </a:r>
+          </a:p>
+        </p:txBody>
+      </p:sp>
+      <p:sp>
+        <p:nvSpPr>
+          <p:cNvPr id="11" name="TextBox 10"/>
+          <p:cNvSpPr txBox="1"/>
+          <p:nvPr/>
+        </p:nvSpPr>
+        <p:spPr>
+          <a:xfrm rot="16200000">
+            <a:off x="3000795" y="1668273"/>
+            <a:ext cx="1895429" cy="584775"/>
+          </a:xfrm>
+          <a:prstGeom prst="rect">
+            <a:avLst/>
+          </a:prstGeom>
+          <a:noFill/>
+        </p:spPr>
+        <p:txBody>
+          <a:bodyPr wrap="square" rtlCol="0">
+            <a:spAutoFit/>
+          </a:bodyPr>
+          <a:lstStyle/>
+          <a:p>
+            <a:pPr algn="ctr"/>
+            <a:r>
+              <a:rPr lang="en-US" sz="3200"/>
+              <a:t>210mm</a:t>
+            </a:r>
+          </a:p>
+        </p:txBody>
+      </p:sp>
+      <p:pic>
+        <p:nvPicPr>
+          <p:cNvPr id="5" name="Picture 4"/>
+          <p:cNvPicPr>
+            <a:picLocks noChangeAspect="1"/>
+          </p:cNvPicPr>
+          <p:nvPr/>
+        </p:nvPicPr>
+        <p:blipFill>
+          <a:blip r:embed="rId2" cstate="print">
+            <a:extLst>
+              <a:ext uri="{28A0092B-C50C-407E-A947-70E740481C1C}">
+                <a14:useLocalDpi xmlns:a14="http://schemas.microsoft.com/office/drawing/2010/main" val="0"/>
+              </a:ext>
+            </a:extLst>
+          </a:blip>
+          <a:stretch>
+            <a:fillRect/>
+          </a:stretch>
+        </p:blipFill>
+        <p:spPr>
+          <a:xfrm>
+            <a:off x="171849" y="4068852"/>
+            <a:ext cx="1389505" cy="606644"/>
+          </a:xfrm>
+          <a:prstGeom prst="rect">
+            <a:avLst/>
+          </a:prstGeom>
+        </p:spPr>
+      </p:pic>
+      <p:sp>
+        <p:nvSpPr>
+          <p:cNvPr id="17" name="TextBox 16"/>
+          <p:cNvSpPr txBox="1"/>
+          <p:nvPr/>
+        </p:nvSpPr>
+        <p:spPr>
+          <a:xfrm>
+            <a:off x="1381459" y="4055232"/>
+            <a:ext cx="518499" cy="584775"/>
+          </a:xfrm>
+          <a:prstGeom prst="rect">
+            <a:avLst/>
+          </a:prstGeom>
+          <a:noFill/>
+        </p:spPr>
+        <p:txBody>
+          <a:bodyPr wrap="square" rtlCol="0">
+            <a:spAutoFit/>
+          </a:bodyPr>
+          <a:lstStyle/>
+          <a:p>
+            <a:r>
+              <a:rPr lang="en-US" sz="3200" b="1">
+                <a:solidFill>
+                  <a:srgbClr val="C7E000"/>
+                </a:solidFill>
+              </a:rPr>
+              <a:t>®</a:t>
+            </a:r>
+            <a:endParaRPr lang="en-US" sz="2000" b="1">
+              <a:solidFill>
+                <a:srgbClr val="C7E000"/>
+              </a:solidFill>
+            </a:endParaRPr>
+          </a:p>
+        </p:txBody>
+      </p:sp>
+      <p:sp>
+        <p:nvSpPr>
+          <p:cNvPr id="23" name="TextBox 22"/>
+          <p:cNvSpPr txBox="1"/>
+          <p:nvPr/>
+        </p:nvSpPr>
+        <p:spPr>
+          <a:xfrm>
+            <a:off x="4323774" y="4272545"/>
+            <a:ext cx="4572101" cy="530018"/>
+          </a:xfrm>
+          <a:prstGeom prst="rect">
+            <a:avLst/>
+          </a:prstGeom>
+          <a:noFill/>
+        </p:spPr>
+        <p:txBody>
+          <a:bodyPr wrap="square" rtlCol="0">
+            <a:spAutoFit/>
+          </a:bodyPr>
+          <a:lstStyle/>
+          <a:p>
+            <a:pPr algn="ctr"/>
+            <a:r>
+              <a:rPr lang="en-US" sz="2844">
+                <a:solidFill>
+                  <a:srgbClr val="C7E000"/>
+                </a:solidFill>
+              </a:rPr>
+              <a:t>x x x x x x x x x x x x x x x x x x</a:t>
+            </a:r>
+          </a:p>
+        </p:txBody>
+      </p:sp>
+      <p:pic>
+        <p:nvPicPr>
+          <p:cNvPr id="3" name="Picture 2">
+            <a:extLst>
+              <a:ext uri="{FF2B5EF4-FFF2-40B4-BE49-F238E27FC236}">
+                <a16:creationId xmlns="" xmlns:a16="http://schemas.microsoft.com/office/drawing/2014/main" id="{D7C813D9-65EA-47BB-BC50-BFC1C3582361}"/>
+              </a:ext>
+            </a:extLst>
+          </p:cNvPr>
+          <p:cNvPicPr>
+            <a:picLocks noChangeAspect="1"/>
+          </p:cNvPicPr>
+          <p:nvPr/>
+        </p:nvPicPr>
+        <p:blipFill>
+          <a:blip r:embed="rId3" cstate="print">
+            <a:extLst>
+              <a:ext uri="{28A0092B-C50C-407E-A947-70E740481C1C}">
+                <a14:useLocalDpi xmlns:a14="http://schemas.microsoft.com/office/drawing/2010/main" val="0"/>
+              </a:ext>
+            </a:extLst>
+          </a:blip>
+          <a:stretch>
+            <a:fillRect/>
+          </a:stretch>
+        </p:blipFill>
+        <p:spPr>
+          <a:xfrm>
+            <a:off x="662171" y="5653529"/>
+            <a:ext cx="1861558" cy="1903204"/>
+          </a:xfrm>
+          <a:prstGeom prst="rect">
+            <a:avLst/>
+          </a:prstGeom>
+          <a:ln>
+            <a:noFill/>
+          </a:ln>
+        </p:spPr>
+      </p:pic>
+      <p:sp>
+        <p:nvSpPr>
+          <p:cNvPr id="35" name="TextBox 34"/>
+          <p:cNvSpPr txBox="1"/>
+          <p:nvPr/>
+        </p:nvSpPr>
+        <p:spPr>
+          <a:xfrm>
+            <a:off x="4457074" y="8219105"/>
+            <a:ext cx="2385029" cy="420564"/>
+          </a:xfrm>
+          <a:prstGeom prst="rect">
+            <a:avLst/>
+          </a:prstGeom>
+          <a:noFill/>
+        </p:spPr>
+        <p:txBody>
+          <a:bodyPr wrap="square" rtlCol="0">
+            <a:spAutoFit/>
+          </a:bodyPr>
+          <a:lstStyle/>
+          <a:p>
+            <a:pPr algn="ctr"/>
+            <a:r>
+              <a:rPr lang="en-US" sz="2133">
+                <a:solidFill>
+                  <a:srgbClr val="273D6C"/>
+                </a:solidFill>
+                <a:latin typeface="Bahnschrift Light" panose="020B0502040204020203" pitchFamily="34" charset="0"/>
+                <a:cs typeface="Arial" panose="020B0604020202020204" pitchFamily="34" charset="0"/>
+              </a:rPr>
+              <a:t>Made in Vietnam</a:t>
+            </a:r>
+          </a:p>
+        </p:txBody>
+      </p:sp>
+      <p:cxnSp>
+        <p:nvCxnSpPr>
+          <p:cNvPr id="37" name="Straight Connector 36"/>
+          <p:cNvCxnSpPr/>
+          <p:nvPr/>
+        </p:nvCxnSpPr>
+        <p:spPr>
+          <a:xfrm rot="10800000">
+            <a:off x="0" y="3965325"/>
+            <a:ext cx="2519363" cy="0"/>
+          </a:xfrm>
+          <a:prstGeom prst="line">
+            <a:avLst/>
+          </a:prstGeom>
+          <a:ln>
+            <a:prstDash val="lgDashDot"/>
+          </a:ln>
+        </p:spPr>
+        <p:style>
+          <a:lnRef idx="1">
+            <a:schemeClr val="accent1"/>
+          </a:lnRef>
+          <a:fillRef idx="0">
+            <a:schemeClr val="accent1"/>
+          </a:fillRef>
+          <a:effectRef idx="0">
+            <a:schemeClr val="accent1"/>
+          </a:effectRef>
+          <a:fontRef idx="minor">
+            <a:schemeClr val="tx1"/>
+          </a:fontRef>
+        </p:style>
+      </p:cxnSp>
+      <p:cxnSp>
+        <p:nvCxnSpPr>
+          <p:cNvPr id="38" name="Straight Connector 37"/>
+          <p:cNvCxnSpPr/>
+          <p:nvPr/>
+        </p:nvCxnSpPr>
+        <p:spPr>
+          <a:xfrm rot="10800000">
+            <a:off x="0" y="3616075"/>
+            <a:ext cx="2519363" cy="0"/>
+          </a:xfrm>
+          <a:prstGeom prst="line">
+            <a:avLst/>
+          </a:prstGeom>
+          <a:ln>
+            <a:prstDash val="lgDashDot"/>
+          </a:ln>
+        </p:spPr>
+        <p:style>
+          <a:lnRef idx="1">
+            <a:schemeClr val="accent1"/>
+          </a:lnRef>
+          <a:fillRef idx="0">
+            <a:schemeClr val="accent1"/>
+          </a:fillRef>
+          <a:effectRef idx="0">
+            <a:schemeClr val="accent1"/>
+          </a:effectRef>
+          <a:fontRef idx="minor">
+            <a:schemeClr val="tx1"/>
+          </a:fontRef>
+        </p:style>
+      </p:cxnSp>
+      <p:sp>
+        <p:nvSpPr>
+          <p:cNvPr id="41" name="TextBox 40"/>
+          <p:cNvSpPr txBox="1"/>
+          <p:nvPr/>
+        </p:nvSpPr>
+        <p:spPr>
+          <a:xfrm>
+            <a:off x="171849" y="5197544"/>
+            <a:ext cx="1489847" cy="523220"/>
+          </a:xfrm>
+          <a:prstGeom prst="rect">
+            <a:avLst/>
+          </a:prstGeom>
+          <a:noFill/>
+        </p:spPr>
+        <p:txBody>
+          <a:bodyPr wrap="square" rtlCol="0">
+            <a:spAutoFit/>
+          </a:bodyPr>
+          <a:lstStyle/>
+          <a:p>
+            <a:r>
+              <a:rPr lang="en-US" sz="2800" smtClean="0">
+                <a:solidFill>
+                  <a:srgbClr val="F9964D"/>
+                </a:solidFill>
+                <a:latin typeface="Tw Cen MT" panose="020B0602020104020603" pitchFamily="34" charset="0"/>
+              </a:rPr>
+              <a:t>39 - </a:t>
+            </a:r>
+            <a:r>
+              <a:rPr lang="en-US" sz="2800" smtClean="0">
+                <a:solidFill>
+                  <a:srgbClr val="C7E000"/>
+                </a:solidFill>
+                <a:latin typeface="Tw Cen MT" panose="020B0602020104020603" pitchFamily="34" charset="0"/>
+              </a:rPr>
+              <a:t>42</a:t>
+            </a:r>
+            <a:endParaRPr lang="en-US" sz="2800">
+              <a:solidFill>
+                <a:srgbClr val="C7E000"/>
+              </a:solidFill>
+              <a:latin typeface="Tw Cen MT" panose="020B0602020104020603" pitchFamily="34" charset="0"/>
+            </a:endParaRPr>
+          </a:p>
+        </p:txBody>
+      </p:sp>
       <p:grpSp>
         <p:nvGrpSpPr>
-          <p:cNvPr id="36" name="Group 35"/>
+          <p:cNvPr id="20" name="Group 19"/>
           <p:cNvGrpSpPr/>
           <p:nvPr/>
         </p:nvGrpSpPr>
         <p:grpSpPr>
-          <a:xfrm rot="10800000">
-            <a:off x="-1773127" y="-4687998"/>
-            <a:ext cx="5239752" cy="14270339"/>
-            <a:chOff x="4422943" y="-1862356"/>
-            <a:chExt cx="2947361" cy="8027066"/>
+          <a:xfrm>
+            <a:off x="159149" y="4789164"/>
+            <a:ext cx="1852375" cy="338554"/>
+            <a:chOff x="3076723" y="4996122"/>
+            <a:chExt cx="1852375" cy="338554"/>
           </a:xfrm>
         </p:grpSpPr>
-        <p:sp>
-          <p:nvSpPr>
-            <p:cNvPr id="22" name="Rectangle 21"/>
-            <p:cNvSpPr/>
-            <p:nvPr/>
-          </p:nvSpPr>
-          <p:spPr>
-            <a:xfrm>
-              <a:off x="4840447" y="1735121"/>
-              <a:ext cx="2503437" cy="370514"/>
-            </a:xfrm>
-            <a:prstGeom prst="rect">
-              <a:avLst/>
-            </a:prstGeom>
-            <a:solidFill>
-              <a:srgbClr val="C7E000"/>
-            </a:solidFill>
-            <a:ln>
-              <a:noFill/>
-            </a:ln>
-          </p:spPr>
-          <p:style>
-            <a:lnRef idx="2">
-              <a:schemeClr val="accent1">
-                <a:shade val="50000"/>
-              </a:schemeClr>
-            </a:lnRef>
-            <a:fillRef idx="1">
-              <a:schemeClr val="accent1"/>
-            </a:fillRef>
-            <a:effectRef idx="0">
-              <a:schemeClr val="accent1"/>
-            </a:effectRef>
-            <a:fontRef idx="minor">
-              <a:schemeClr val="lt1"/>
-            </a:fontRef>
-          </p:style>
-          <p:txBody>
-            <a:bodyPr rot="0" spcFirstLastPara="0" vertOverflow="overflow" horzOverflow="overflow" vert="horz" wrap="square" lIns="162560" tIns="81280" rIns="162560" bIns="81280" numCol="1" spcCol="0" rtlCol="0" fromWordArt="0" anchor="ctr" anchorCtr="0" forceAA="0" compatLnSpc="1">
-              <a:prstTxWarp prst="textNoShape">
-                <a:avLst/>
-              </a:prstTxWarp>
-              <a:noAutofit/>
-            </a:bodyPr>
-            <a:lstStyle/>
-            <a:p>
-              <a:pPr algn="ctr"/>
-              <a:endParaRPr lang="en-US" sz="3200"/>
-            </a:p>
-          </p:txBody>
-        </p:sp>
-        <p:grpSp>
-          <p:nvGrpSpPr>
-            <p:cNvPr id="9" name="Group 8"/>
-            <p:cNvGrpSpPr/>
-            <p:nvPr/>
-          </p:nvGrpSpPr>
-          <p:grpSpPr>
-            <a:xfrm rot="16200000">
-              <a:off x="2306973" y="671118"/>
-              <a:ext cx="7575258" cy="2508309"/>
-              <a:chOff x="2306973" y="671118"/>
-              <a:chExt cx="7575258" cy="2508309"/>
-            </a:xfrm>
-          </p:grpSpPr>
-          <p:sp>
-            <p:nvSpPr>
-              <p:cNvPr id="4" name="Rectangle 3"/>
-              <p:cNvSpPr/>
-              <p:nvPr/>
-            </p:nvSpPr>
-            <p:spPr>
-              <a:xfrm>
-                <a:off x="2306973" y="671118"/>
-                <a:ext cx="7575258" cy="2508309"/>
-              </a:xfrm>
-              <a:prstGeom prst="rect">
-                <a:avLst/>
-              </a:prstGeom>
-              <a:noFill/>
-            </p:spPr>
-            <p:style>
-              <a:lnRef idx="2">
-                <a:schemeClr val="accent1">
-                  <a:shade val="50000"/>
-                </a:schemeClr>
-              </a:lnRef>
-              <a:fillRef idx="1">
-                <a:schemeClr val="accent1"/>
-              </a:fillRef>
-              <a:effectRef idx="0">
-                <a:schemeClr val="accent1"/>
-              </a:effectRef>
-              <a:fontRef idx="minor">
-                <a:schemeClr val="lt1"/>
-              </a:fontRef>
-            </p:style>
-            <p:txBody>
-              <a:bodyPr rtlCol="0" anchor="ctr"/>
-              <a:lstStyle/>
-              <a:p>
-                <a:pPr algn="ctr"/>
-                <a:endParaRPr lang="en-US" sz="3200"/>
-              </a:p>
-            </p:txBody>
-          </p:sp>
-          <p:cxnSp>
-            <p:nvCxnSpPr>
-              <p:cNvPr id="6" name="Straight Connector 5"/>
-              <p:cNvCxnSpPr/>
-              <p:nvPr/>
-            </p:nvCxnSpPr>
-            <p:spPr>
-              <a:xfrm>
-                <a:off x="5914239" y="674635"/>
-                <a:ext cx="0" cy="2499920"/>
-              </a:xfrm>
-              <a:prstGeom prst="line">
-                <a:avLst/>
-              </a:prstGeom>
-              <a:ln>
-                <a:solidFill>
-                  <a:schemeClr val="accent1">
-                    <a:lumMod val="75000"/>
-                  </a:schemeClr>
-                </a:solidFill>
-                <a:prstDash val="lgDash"/>
-              </a:ln>
-            </p:spPr>
-            <p:style>
-              <a:lnRef idx="1">
-                <a:schemeClr val="accent1"/>
-              </a:lnRef>
-              <a:fillRef idx="0">
-                <a:schemeClr val="accent1"/>
-              </a:fillRef>
-              <a:effectRef idx="0">
-                <a:schemeClr val="accent1"/>
-              </a:effectRef>
-              <a:fontRef idx="minor">
-                <a:schemeClr val="tx1"/>
-              </a:fontRef>
-            </p:style>
-          </p:cxnSp>
-          <p:cxnSp>
-            <p:nvCxnSpPr>
-              <p:cNvPr id="7" name="Straight Connector 6"/>
-              <p:cNvCxnSpPr/>
-              <p:nvPr/>
-            </p:nvCxnSpPr>
-            <p:spPr>
-              <a:xfrm>
-                <a:off x="6284753" y="674745"/>
-                <a:ext cx="0" cy="2499920"/>
-              </a:xfrm>
-              <a:prstGeom prst="line">
-                <a:avLst/>
-              </a:prstGeom>
-              <a:ln>
-                <a:solidFill>
-                  <a:schemeClr val="accent1">
-                    <a:lumMod val="75000"/>
-                  </a:schemeClr>
-                </a:solidFill>
-                <a:prstDash val="lgDash"/>
-              </a:ln>
-            </p:spPr>
-            <p:style>
-              <a:lnRef idx="1">
-                <a:schemeClr val="accent1"/>
-              </a:lnRef>
-              <a:fillRef idx="0">
-                <a:schemeClr val="accent1"/>
-              </a:fillRef>
-              <a:effectRef idx="0">
-                <a:schemeClr val="accent1"/>
-              </a:effectRef>
-              <a:fontRef idx="minor">
-                <a:schemeClr val="tx1"/>
-              </a:fontRef>
-            </p:style>
-          </p:cxnSp>
-        </p:grpSp>
-        <p:sp>
-          <p:nvSpPr>
-            <p:cNvPr id="2" name="Rounded Rectangle 1"/>
-            <p:cNvSpPr/>
-            <p:nvPr/>
-          </p:nvSpPr>
-          <p:spPr>
-            <a:xfrm>
-              <a:off x="5830819" y="1844658"/>
-              <a:ext cx="526212" cy="151440"/>
-            </a:xfrm>
-            <a:prstGeom prst="roundRect">
-              <a:avLst/>
-            </a:prstGeom>
-            <a:noFill/>
-            <a:ln>
-              <a:prstDash val="dash"/>
-            </a:ln>
-          </p:spPr>
-          <p:style>
-            <a:lnRef idx="2">
-              <a:schemeClr val="accent1">
-                <a:shade val="50000"/>
-              </a:schemeClr>
-            </a:lnRef>
-            <a:fillRef idx="1">
-              <a:schemeClr val="accent1"/>
-            </a:fillRef>
-            <a:effectRef idx="0">
-              <a:schemeClr val="accent1"/>
-            </a:effectRef>
-            <a:fontRef idx="minor">
-              <a:schemeClr val="lt1"/>
-            </a:fontRef>
-          </p:style>
-          <p:txBody>
-            <a:bodyPr rtlCol="0" anchor="ctr"/>
-            <a:lstStyle/>
-            <a:p>
-              <a:pPr algn="ctr"/>
-              <a:endParaRPr lang="en-US" sz="3200"/>
-            </a:p>
-          </p:txBody>
-        </p:sp>
-        <p:sp>
-          <p:nvSpPr>
-            <p:cNvPr id="10" name="TextBox 9"/>
-            <p:cNvSpPr txBox="1"/>
-            <p:nvPr/>
-          </p:nvSpPr>
-          <p:spPr>
-            <a:xfrm>
-              <a:off x="5802519" y="5835774"/>
-              <a:ext cx="902494" cy="328936"/>
-            </a:xfrm>
-            <a:prstGeom prst="rect">
-              <a:avLst/>
-            </a:prstGeom>
-            <a:noFill/>
-          </p:spPr>
-          <p:txBody>
-            <a:bodyPr wrap="square" rtlCol="0">
-              <a:spAutoFit/>
-            </a:bodyPr>
-            <a:lstStyle/>
-            <a:p>
-              <a:pPr algn="ctr"/>
-              <a:r>
-                <a:rPr lang="en-US" sz="3200"/>
-                <a:t>70mm</a:t>
-              </a:r>
-            </a:p>
-          </p:txBody>
-        </p:sp>
-        <p:sp>
-          <p:nvSpPr>
-            <p:cNvPr id="11" name="TextBox 10"/>
-            <p:cNvSpPr txBox="1"/>
-            <p:nvPr/>
-          </p:nvSpPr>
-          <p:spPr>
-            <a:xfrm rot="16200000">
-              <a:off x="4054321" y="1755909"/>
-              <a:ext cx="1066179" cy="328936"/>
-            </a:xfrm>
-            <a:prstGeom prst="rect">
-              <a:avLst/>
-            </a:prstGeom>
-            <a:noFill/>
-          </p:spPr>
-          <p:txBody>
-            <a:bodyPr wrap="square" rtlCol="0">
-              <a:spAutoFit/>
-            </a:bodyPr>
-            <a:lstStyle/>
-            <a:p>
-              <a:pPr algn="ctr"/>
-              <a:r>
-                <a:rPr lang="en-US" sz="3200"/>
-                <a:t>210mm</a:t>
-              </a:r>
-            </a:p>
-          </p:txBody>
-        </p:sp>
-        <p:sp>
-          <p:nvSpPr>
-            <p:cNvPr id="13" name="TextBox 12"/>
-            <p:cNvSpPr txBox="1"/>
-            <p:nvPr/>
-          </p:nvSpPr>
-          <p:spPr>
-            <a:xfrm>
-              <a:off x="4896891" y="2886920"/>
-              <a:ext cx="2387720" cy="236567"/>
-            </a:xfrm>
-            <a:prstGeom prst="rect">
-              <a:avLst/>
-            </a:prstGeom>
-            <a:noFill/>
-          </p:spPr>
-          <p:txBody>
-            <a:bodyPr wrap="square" rtlCol="0">
-              <a:spAutoFit/>
-            </a:bodyPr>
-            <a:lstStyle/>
-            <a:p>
-              <a:r>
-                <a:rPr lang="en-US" sz="2133">
-                  <a:solidFill>
-                    <a:srgbClr val="273D6C"/>
-                  </a:solidFill>
-                  <a:latin typeface="Bahnschrift Light" panose="020B0502040204020203" pitchFamily="34" charset="0"/>
-                  <a:cs typeface="Arial" panose="020B0604020202020204" pitchFamily="34" charset="0"/>
-                </a:rPr>
-                <a:t>Bít tất khử mùi công nghệ nano</a:t>
-              </a:r>
-            </a:p>
-          </p:txBody>
-        </p:sp>
-        <p:pic>
-          <p:nvPicPr>
-            <p:cNvPr id="5" name="Picture 4"/>
-            <p:cNvPicPr>
-              <a:picLocks noChangeAspect="1"/>
-            </p:cNvPicPr>
-            <p:nvPr/>
-          </p:nvPicPr>
-          <p:blipFill>
-            <a:blip r:embed="rId2">
-              <a:extLst>
-                <a:ext uri="{28A0092B-C50C-407E-A947-70E740481C1C}">
-                  <a14:useLocalDpi xmlns:a14="http://schemas.microsoft.com/office/drawing/2010/main" val="0"/>
-                </a:ext>
-              </a:extLst>
-            </a:blip>
-            <a:stretch>
-              <a:fillRect/>
-            </a:stretch>
-          </p:blipFill>
-          <p:spPr>
-            <a:xfrm>
-              <a:off x="4890935" y="2098772"/>
-              <a:ext cx="1675421" cy="731473"/>
-            </a:xfrm>
-            <a:prstGeom prst="rect">
-              <a:avLst/>
-            </a:prstGeom>
-          </p:spPr>
-        </p:pic>
-        <p:sp>
-          <p:nvSpPr>
-            <p:cNvPr id="17" name="TextBox 16"/>
-            <p:cNvSpPr txBox="1"/>
-            <p:nvPr/>
-          </p:nvSpPr>
-          <p:spPr>
-            <a:xfrm>
-              <a:off x="6389631" y="2228840"/>
-              <a:ext cx="395288" cy="421306"/>
-            </a:xfrm>
-            <a:prstGeom prst="rect">
-              <a:avLst/>
-            </a:prstGeom>
-            <a:noFill/>
-          </p:spPr>
-          <p:txBody>
-            <a:bodyPr wrap="square" rtlCol="0">
-              <a:spAutoFit/>
-            </a:bodyPr>
-            <a:lstStyle/>
-            <a:p>
-              <a:r>
-                <a:rPr lang="en-US" sz="4267" b="1">
-                  <a:solidFill>
-                    <a:srgbClr val="C7E000"/>
-                  </a:solidFill>
-                </a:rPr>
-                <a:t>®</a:t>
-              </a:r>
-              <a:endParaRPr lang="en-US" sz="3200" b="1">
-                <a:solidFill>
-                  <a:srgbClr val="C7E000"/>
-                </a:solidFill>
-              </a:endParaRPr>
-            </a:p>
-          </p:txBody>
-        </p:sp>
         <p:grpSp>
           <p:nvGrpSpPr>
             <p:cNvPr id="15" name="Group 14"/>
@@ -3809,10 +3814,10 @@
           </p:nvGrpSpPr>
           <p:grpSpPr>
             <a:xfrm>
-              <a:off x="4843965" y="3614009"/>
-              <a:ext cx="790876" cy="267405"/>
-              <a:chOff x="6581826" y="2322321"/>
-              <a:chExt cx="790876" cy="267405"/>
+              <a:off x="3076723" y="5012497"/>
+              <a:ext cx="692429" cy="312455"/>
+              <a:chOff x="6783872" y="2374313"/>
+              <a:chExt cx="389491" cy="175756"/>
             </a:xfrm>
           </p:grpSpPr>
           <p:sp>
@@ -3823,8 +3828,8 @@
             </p:nvSpPr>
             <p:spPr>
               <a:xfrm>
-                <a:off x="6741521" y="2335439"/>
-                <a:ext cx="471487" cy="245269"/>
+                <a:off x="6830886" y="2374313"/>
+                <a:ext cx="292756" cy="167521"/>
               </a:xfrm>
               <a:prstGeom prst="roundRect">
                 <a:avLst>
@@ -3832,7 +3837,7 @@
                 </a:avLst>
               </a:prstGeom>
               <a:solidFill>
-                <a:srgbClr val="06ECA5"/>
+                <a:srgbClr val="F9964D"/>
               </a:solidFill>
               <a:ln>
                 <a:noFill/>
@@ -3864,7 +3869,11 @@
               <a:lstStyle/>
               <a:p>
                 <a:pPr algn="ctr"/>
-                <a:endParaRPr lang="en-US" sz="2133"/>
+                <a:endParaRPr lang="en-US" sz="2133">
+                  <a:solidFill>
+                    <a:srgbClr val="C7E000"/>
+                  </a:solidFill>
+                </a:endParaRPr>
               </a:p>
             </p:txBody>
           </p:sp>
@@ -3876,8 +3885,8 @@
             </p:nvSpPr>
             <p:spPr>
               <a:xfrm>
-                <a:off x="6581826" y="2322321"/>
-                <a:ext cx="790876" cy="267405"/>
+                <a:off x="6783872" y="2376945"/>
+                <a:ext cx="389491" cy="173124"/>
               </a:xfrm>
               <a:prstGeom prst="rect">
                 <a:avLst/>
@@ -3892,7 +3901,7 @@
               <a:p>
                 <a:pPr algn="ctr"/>
                 <a:r>
-                  <a:rPr lang="en-US" sz="2489">
+                  <a:rPr lang="en-US" sz="1400">
                     <a:solidFill>
                       <a:schemeClr val="bg1"/>
                     </a:solidFill>
@@ -3906,14 +3915,14 @@
         </p:grpSp>
         <p:sp>
           <p:nvSpPr>
-            <p:cNvPr id="23" name="TextBox 22"/>
+            <p:cNvPr id="18" name="TextBox 17"/>
             <p:cNvSpPr txBox="1"/>
             <p:nvPr/>
           </p:nvSpPr>
           <p:spPr>
             <a:xfrm>
-              <a:off x="4798497" y="3220812"/>
-              <a:ext cx="2571807" cy="298135"/>
+              <a:off x="3612668" y="4996122"/>
+              <a:ext cx="1316430" cy="338554"/>
             </a:xfrm>
             <a:prstGeom prst="rect">
               <a:avLst/>
@@ -3926,536 +3935,119 @@
             </a:bodyPr>
             <a:lstStyle/>
             <a:p>
-              <a:pPr algn="ctr"/>
               <a:r>
-                <a:rPr lang="en-US" sz="2844">
+                <a:rPr lang="en-US" sz="1600" smtClean="0">
                   <a:solidFill>
                     <a:srgbClr val="C7E000"/>
                   </a:solidFill>
+                  <a:latin typeface="Tw Cen MT" panose="020B0602020104020603" pitchFamily="34" charset="0"/>
                 </a:rPr>
-                <a:t>x x x x x x x x x x x x x x x x x x</a:t>
+                <a:t>technology</a:t>
               </a:r>
-            </a:p>
-          </p:txBody>
-        </p:sp>
-        <p:grpSp>
-          <p:nvGrpSpPr>
-            <p:cNvPr id="34" name="Group 33"/>
-            <p:cNvGrpSpPr/>
-            <p:nvPr/>
-          </p:nvGrpSpPr>
-          <p:grpSpPr>
-            <a:xfrm>
-              <a:off x="5295900" y="3550925"/>
-              <a:ext cx="2052630" cy="2161977"/>
-              <a:chOff x="5295900" y="3544575"/>
-              <a:chExt cx="2052630" cy="2161977"/>
-            </a:xfrm>
-          </p:grpSpPr>
-          <p:pic>
-            <p:nvPicPr>
-              <p:cNvPr id="3" name="Picture 2">
-                <a:extLst>
-                  <a:ext uri="{FF2B5EF4-FFF2-40B4-BE49-F238E27FC236}">
-                    <a16:creationId xmlns:a16="http://schemas.microsoft.com/office/drawing/2014/main" xmlns="" id="{D7C813D9-65EA-47BB-BC50-BFC1C3582361}"/>
-                  </a:ext>
-                </a:extLst>
-              </p:cNvPr>
-              <p:cNvPicPr>
-                <a:picLocks noChangeAspect="1"/>
-              </p:cNvPicPr>
-              <p:nvPr/>
-            </p:nvPicPr>
-            <p:blipFill>
-              <a:blip r:embed="rId3" cstate="print">
-                <a:extLst>
-                  <a:ext uri="{28A0092B-C50C-407E-A947-70E740481C1C}">
-                    <a14:useLocalDpi xmlns:a14="http://schemas.microsoft.com/office/drawing/2010/main" val="0"/>
-                  </a:ext>
-                </a:extLst>
-              </a:blip>
-              <a:stretch>
-                <a:fillRect/>
-              </a:stretch>
-            </p:blipFill>
-            <p:spPr>
-              <a:xfrm>
-                <a:off x="5295900" y="3544575"/>
-                <a:ext cx="2047984" cy="2043936"/>
-              </a:xfrm>
-              <a:prstGeom prst="rect">
-                <a:avLst/>
-              </a:prstGeom>
-              <a:ln>
-                <a:noFill/>
-              </a:ln>
-            </p:spPr>
-          </p:pic>
-          <p:grpSp>
-            <p:nvGrpSpPr>
-              <p:cNvPr id="33" name="Group 32"/>
-              <p:cNvGrpSpPr/>
-              <p:nvPr/>
-            </p:nvGrpSpPr>
-            <p:grpSpPr>
-              <a:xfrm>
-                <a:off x="6727031" y="5572590"/>
-                <a:ext cx="621499" cy="133962"/>
-                <a:chOff x="6727031" y="5578940"/>
-                <a:chExt cx="621499" cy="133962"/>
-              </a:xfrm>
-            </p:grpSpPr>
-            <p:sp>
-              <p:nvSpPr>
-                <p:cNvPr id="26" name="Isosceles Triangle 25"/>
-                <p:cNvSpPr/>
-                <p:nvPr/>
-              </p:nvSpPr>
-              <p:spPr>
-                <a:xfrm rot="10800000">
-                  <a:off x="7081838" y="5588793"/>
-                  <a:ext cx="92534" cy="116699"/>
-                </a:xfrm>
-                <a:prstGeom prst="triangle">
-                  <a:avLst/>
-                </a:prstGeom>
+              <a:endParaRPr lang="en-US" sz="1600">
                 <a:solidFill>
-                  <a:srgbClr val="020041"/>
+                  <a:srgbClr val="C7E000"/>
                 </a:solidFill>
-                <a:ln>
-                  <a:noFill/>
-                </a:ln>
-              </p:spPr>
-              <p:style>
-                <a:lnRef idx="2">
-                  <a:schemeClr val="accent1">
-                    <a:shade val="50000"/>
-                  </a:schemeClr>
-                </a:lnRef>
-                <a:fillRef idx="1">
-                  <a:schemeClr val="accent1"/>
-                </a:fillRef>
-                <a:effectRef idx="0">
-                  <a:schemeClr val="accent1"/>
-                </a:effectRef>
-                <a:fontRef idx="minor">
-                  <a:schemeClr val="lt1"/>
-                </a:fontRef>
-              </p:style>
-              <p:txBody>
-                <a:bodyPr rot="0" spcFirstLastPara="0" vertOverflow="overflow" horzOverflow="overflow" vert="horz" wrap="square" lIns="162560" tIns="81280" rIns="162560" bIns="81280" numCol="1" spcCol="0" rtlCol="0" fromWordArt="0" anchor="ctr" anchorCtr="0" forceAA="0" compatLnSpc="1">
-                  <a:prstTxWarp prst="textNoShape">
-                    <a:avLst/>
-                  </a:prstTxWarp>
-                  <a:noAutofit/>
-                </a:bodyPr>
-                <a:lstStyle/>
-                <a:p>
-                  <a:pPr algn="ctr"/>
-                  <a:endParaRPr lang="en-US" sz="3200"/>
-                </a:p>
-              </p:txBody>
-            </p:sp>
-            <p:sp>
-              <p:nvSpPr>
-                <p:cNvPr id="28" name="Freeform 27"/>
-                <p:cNvSpPr/>
-                <p:nvPr/>
-              </p:nvSpPr>
-              <p:spPr>
-                <a:xfrm>
-                  <a:off x="6727031" y="5588812"/>
-                  <a:ext cx="316369" cy="124090"/>
-                </a:xfrm>
-                <a:custGeom>
-                  <a:avLst/>
-                  <a:gdLst>
-                    <a:gd name="connsiteX0" fmla="*/ 0 w 242887"/>
-                    <a:gd name="connsiteY0" fmla="*/ 0 h 119062"/>
-                    <a:gd name="connsiteX1" fmla="*/ 150018 w 242887"/>
-                    <a:gd name="connsiteY1" fmla="*/ 116681 h 119062"/>
-                    <a:gd name="connsiteX2" fmla="*/ 242887 w 242887"/>
-                    <a:gd name="connsiteY2" fmla="*/ 119062 h 119062"/>
-                    <a:gd name="connsiteX3" fmla="*/ 185737 w 242887"/>
-                    <a:gd name="connsiteY3" fmla="*/ 0 h 119062"/>
-                    <a:gd name="connsiteX4" fmla="*/ 0 w 242887"/>
-                    <a:gd name="connsiteY4" fmla="*/ 0 h 119062"/>
-                  </a:gdLst>
-                  <a:ahLst/>
-                  <a:cxnLst>
-                    <a:cxn ang="0">
-                      <a:pos x="connsiteX0" y="connsiteY0"/>
-                    </a:cxn>
-                    <a:cxn ang="0">
-                      <a:pos x="connsiteX1" y="connsiteY1"/>
-                    </a:cxn>
-                    <a:cxn ang="0">
-                      <a:pos x="connsiteX2" y="connsiteY2"/>
-                    </a:cxn>
-                    <a:cxn ang="0">
-                      <a:pos x="connsiteX3" y="connsiteY3"/>
-                    </a:cxn>
-                    <a:cxn ang="0">
-                      <a:pos x="connsiteX4" y="connsiteY4"/>
-                    </a:cxn>
-                  </a:cxnLst>
-                  <a:rect l="l" t="t" r="r" b="b"/>
-                  <a:pathLst>
-                    <a:path w="242887" h="119062">
-                      <a:moveTo>
-                        <a:pt x="0" y="0"/>
-                      </a:moveTo>
-                      <a:lnTo>
-                        <a:pt x="150018" y="116681"/>
-                      </a:lnTo>
-                      <a:lnTo>
-                        <a:pt x="242887" y="119062"/>
-                      </a:lnTo>
-                      <a:lnTo>
-                        <a:pt x="185737" y="0"/>
-                      </a:lnTo>
-                      <a:lnTo>
-                        <a:pt x="0" y="0"/>
-                      </a:lnTo>
-                      <a:close/>
-                    </a:path>
-                  </a:pathLst>
-                </a:custGeom>
-                <a:solidFill>
-                  <a:srgbClr val="92664B"/>
-                </a:solidFill>
-                <a:ln>
-                  <a:noFill/>
-                </a:ln>
-              </p:spPr>
-              <p:style>
-                <a:lnRef idx="2">
-                  <a:schemeClr val="accent1">
-                    <a:shade val="50000"/>
-                  </a:schemeClr>
-                </a:lnRef>
-                <a:fillRef idx="1">
-                  <a:schemeClr val="accent1"/>
-                </a:fillRef>
-                <a:effectRef idx="0">
-                  <a:schemeClr val="accent1"/>
-                </a:effectRef>
-                <a:fontRef idx="minor">
-                  <a:schemeClr val="lt1"/>
-                </a:fontRef>
-              </p:style>
-              <p:txBody>
-                <a:bodyPr rot="0" spcFirstLastPara="0" vertOverflow="overflow" horzOverflow="overflow" vert="horz" wrap="square" lIns="162560" tIns="81280" rIns="162560" bIns="81280" numCol="1" spcCol="0" rtlCol="0" fromWordArt="0" anchor="ctr" anchorCtr="0" forceAA="0" compatLnSpc="1">
-                  <a:prstTxWarp prst="textNoShape">
-                    <a:avLst/>
-                  </a:prstTxWarp>
-                  <a:noAutofit/>
-                </a:bodyPr>
-                <a:lstStyle/>
-                <a:p>
-                  <a:pPr algn="ctr"/>
-                  <a:endParaRPr lang="en-US" sz="3200"/>
-                </a:p>
-              </p:txBody>
-            </p:sp>
-            <p:sp>
-              <p:nvSpPr>
-                <p:cNvPr id="29" name="Right Triangle 28"/>
-                <p:cNvSpPr/>
-                <p:nvPr/>
-              </p:nvSpPr>
-              <p:spPr>
-                <a:xfrm flipH="1">
-                  <a:off x="7243761" y="5588511"/>
-                  <a:ext cx="100012" cy="119363"/>
-                </a:xfrm>
-                <a:prstGeom prst="rtTriangle">
-                  <a:avLst/>
-                </a:prstGeom>
-                <a:solidFill>
-                  <a:srgbClr val="59585E"/>
-                </a:solidFill>
-                <a:ln>
-                  <a:noFill/>
-                </a:ln>
-              </p:spPr>
-              <p:style>
-                <a:lnRef idx="2">
-                  <a:schemeClr val="accent1">
-                    <a:shade val="50000"/>
-                  </a:schemeClr>
-                </a:lnRef>
-                <a:fillRef idx="1">
-                  <a:schemeClr val="accent1"/>
-                </a:fillRef>
-                <a:effectRef idx="0">
-                  <a:schemeClr val="accent1"/>
-                </a:effectRef>
-                <a:fontRef idx="minor">
-                  <a:schemeClr val="lt1"/>
-                </a:fontRef>
-              </p:style>
-              <p:txBody>
-                <a:bodyPr rot="0" spcFirstLastPara="0" vertOverflow="overflow" horzOverflow="overflow" vert="horz" wrap="square" lIns="162560" tIns="81280" rIns="162560" bIns="81280" numCol="1" spcCol="0" rtlCol="0" fromWordArt="0" anchor="ctr" anchorCtr="0" forceAA="0" compatLnSpc="1">
-                  <a:prstTxWarp prst="textNoShape">
-                    <a:avLst/>
-                  </a:prstTxWarp>
-                  <a:noAutofit/>
-                </a:bodyPr>
-                <a:lstStyle/>
-                <a:p>
-                  <a:pPr algn="ctr"/>
-                  <a:endParaRPr lang="en-US" sz="3200"/>
-                </a:p>
-              </p:txBody>
-            </p:sp>
-            <p:sp>
-              <p:nvSpPr>
-                <p:cNvPr id="30" name="Isosceles Triangle 29"/>
-                <p:cNvSpPr/>
-                <p:nvPr/>
-              </p:nvSpPr>
-              <p:spPr>
-                <a:xfrm rot="10800000">
-                  <a:off x="7179129" y="5588511"/>
-                  <a:ext cx="169401" cy="121742"/>
-                </a:xfrm>
-                <a:prstGeom prst="triangle">
-                  <a:avLst>
-                    <a:gd name="adj" fmla="val 61245"/>
-                  </a:avLst>
-                </a:prstGeom>
-                <a:solidFill>
-                  <a:srgbClr val="586168"/>
-                </a:solidFill>
-                <a:ln>
-                  <a:noFill/>
-                </a:ln>
-              </p:spPr>
-              <p:style>
-                <a:lnRef idx="2">
-                  <a:schemeClr val="accent1">
-                    <a:shade val="50000"/>
-                  </a:schemeClr>
-                </a:lnRef>
-                <a:fillRef idx="1">
-                  <a:schemeClr val="accent1"/>
-                </a:fillRef>
-                <a:effectRef idx="0">
-                  <a:schemeClr val="accent1"/>
-                </a:effectRef>
-                <a:fontRef idx="minor">
-                  <a:schemeClr val="lt1"/>
-                </a:fontRef>
-              </p:style>
-              <p:txBody>
-                <a:bodyPr rot="0" spcFirstLastPara="0" vertOverflow="overflow" horzOverflow="overflow" vert="horz" wrap="square" lIns="162560" tIns="81280" rIns="162560" bIns="81280" numCol="1" spcCol="0" rtlCol="0" fromWordArt="0" anchor="ctr" anchorCtr="0" forceAA="0" compatLnSpc="1">
-                  <a:prstTxWarp prst="textNoShape">
-                    <a:avLst/>
-                  </a:prstTxWarp>
-                  <a:noAutofit/>
-                </a:bodyPr>
-                <a:lstStyle/>
-                <a:p>
-                  <a:pPr algn="ctr"/>
-                  <a:endParaRPr lang="en-US" sz="3200"/>
-                </a:p>
-              </p:txBody>
-            </p:sp>
-            <p:sp>
-              <p:nvSpPr>
-                <p:cNvPr id="31" name="Freeform 30"/>
-                <p:cNvSpPr/>
-                <p:nvPr/>
-              </p:nvSpPr>
-              <p:spPr>
-                <a:xfrm>
-                  <a:off x="6954458" y="5586413"/>
-                  <a:ext cx="182148" cy="126206"/>
-                </a:xfrm>
-                <a:custGeom>
-                  <a:avLst/>
-                  <a:gdLst>
-                    <a:gd name="connsiteX0" fmla="*/ 0 w 157162"/>
-                    <a:gd name="connsiteY0" fmla="*/ 2381 h 126206"/>
-                    <a:gd name="connsiteX1" fmla="*/ 109537 w 157162"/>
-                    <a:gd name="connsiteY1" fmla="*/ 0 h 126206"/>
-                    <a:gd name="connsiteX2" fmla="*/ 157162 w 157162"/>
-                    <a:gd name="connsiteY2" fmla="*/ 123825 h 126206"/>
-                    <a:gd name="connsiteX3" fmla="*/ 78581 w 157162"/>
-                    <a:gd name="connsiteY3" fmla="*/ 126206 h 126206"/>
-                    <a:gd name="connsiteX4" fmla="*/ 0 w 157162"/>
-                    <a:gd name="connsiteY4" fmla="*/ 2381 h 126206"/>
-                  </a:gdLst>
-                  <a:ahLst/>
-                  <a:cxnLst>
-                    <a:cxn ang="0">
-                      <a:pos x="connsiteX0" y="connsiteY0"/>
-                    </a:cxn>
-                    <a:cxn ang="0">
-                      <a:pos x="connsiteX1" y="connsiteY1"/>
-                    </a:cxn>
-                    <a:cxn ang="0">
-                      <a:pos x="connsiteX2" y="connsiteY2"/>
-                    </a:cxn>
-                    <a:cxn ang="0">
-                      <a:pos x="connsiteX3" y="connsiteY3"/>
-                    </a:cxn>
-                    <a:cxn ang="0">
-                      <a:pos x="connsiteX4" y="connsiteY4"/>
-                    </a:cxn>
-                  </a:cxnLst>
-                  <a:rect l="l" t="t" r="r" b="b"/>
-                  <a:pathLst>
-                    <a:path w="157162" h="126206">
-                      <a:moveTo>
-                        <a:pt x="0" y="2381"/>
-                      </a:moveTo>
-                      <a:lnTo>
-                        <a:pt x="109537" y="0"/>
-                      </a:lnTo>
-                      <a:lnTo>
-                        <a:pt x="157162" y="123825"/>
-                      </a:lnTo>
-                      <a:lnTo>
-                        <a:pt x="78581" y="126206"/>
-                      </a:lnTo>
-                      <a:lnTo>
-                        <a:pt x="0" y="2381"/>
-                      </a:lnTo>
-                      <a:close/>
-                    </a:path>
-                  </a:pathLst>
-                </a:custGeom>
-                <a:solidFill>
-                  <a:srgbClr val="6B5154"/>
-                </a:solidFill>
-                <a:ln>
-                  <a:noFill/>
-                </a:ln>
-              </p:spPr>
-              <p:style>
-                <a:lnRef idx="2">
-                  <a:schemeClr val="accent1">
-                    <a:shade val="50000"/>
-                  </a:schemeClr>
-                </a:lnRef>
-                <a:fillRef idx="1">
-                  <a:schemeClr val="accent1"/>
-                </a:fillRef>
-                <a:effectRef idx="0">
-                  <a:schemeClr val="accent1"/>
-                </a:effectRef>
-                <a:fontRef idx="minor">
-                  <a:schemeClr val="lt1"/>
-                </a:fontRef>
-              </p:style>
-              <p:txBody>
-                <a:bodyPr rot="0" spcFirstLastPara="0" vertOverflow="overflow" horzOverflow="overflow" vert="horz" wrap="square" lIns="162560" tIns="81280" rIns="162560" bIns="81280" numCol="1" spcCol="0" rtlCol="0" fromWordArt="0" anchor="ctr" anchorCtr="0" forceAA="0" compatLnSpc="1">
-                  <a:prstTxWarp prst="textNoShape">
-                    <a:avLst/>
-                  </a:prstTxWarp>
-                  <a:noAutofit/>
-                </a:bodyPr>
-                <a:lstStyle/>
-                <a:p>
-                  <a:pPr algn="ctr"/>
-                  <a:endParaRPr lang="en-US" sz="3200"/>
-                </a:p>
-              </p:txBody>
-            </p:sp>
-            <p:sp>
-              <p:nvSpPr>
-                <p:cNvPr id="32" name="Isosceles Triangle 31"/>
-                <p:cNvSpPr/>
-                <p:nvPr/>
-              </p:nvSpPr>
-              <p:spPr>
-                <a:xfrm>
-                  <a:off x="7122483" y="5578940"/>
-                  <a:ext cx="141501" cy="131313"/>
-                </a:xfrm>
-                <a:prstGeom prst="triangle">
-                  <a:avLst>
-                    <a:gd name="adj" fmla="val 36538"/>
-                  </a:avLst>
-                </a:prstGeom>
-                <a:solidFill>
-                  <a:srgbClr val="372E59"/>
-                </a:solidFill>
-                <a:ln>
-                  <a:noFill/>
-                </a:ln>
-              </p:spPr>
-              <p:style>
-                <a:lnRef idx="2">
-                  <a:schemeClr val="accent1">
-                    <a:shade val="50000"/>
-                  </a:schemeClr>
-                </a:lnRef>
-                <a:fillRef idx="1">
-                  <a:schemeClr val="accent1"/>
-                </a:fillRef>
-                <a:effectRef idx="0">
-                  <a:schemeClr val="accent1"/>
-                </a:effectRef>
-                <a:fontRef idx="minor">
-                  <a:schemeClr val="lt1"/>
-                </a:fontRef>
-              </p:style>
-              <p:txBody>
-                <a:bodyPr rot="0" spcFirstLastPara="0" vertOverflow="overflow" horzOverflow="overflow" vert="horz" wrap="square" lIns="162560" tIns="81280" rIns="162560" bIns="81280" numCol="1" spcCol="0" rtlCol="0" fromWordArt="0" anchor="ctr" anchorCtr="0" forceAA="0" compatLnSpc="1">
-                  <a:prstTxWarp prst="textNoShape">
-                    <a:avLst/>
-                  </a:prstTxWarp>
-                  <a:noAutofit/>
-                </a:bodyPr>
-                <a:lstStyle/>
-                <a:p>
-                  <a:pPr algn="ctr"/>
-                  <a:endParaRPr lang="en-US" sz="3200"/>
-                </a:p>
-              </p:txBody>
-            </p:sp>
-          </p:grpSp>
-        </p:grpSp>
-        <p:sp>
-          <p:nvSpPr>
-            <p:cNvPr id="35" name="TextBox 34"/>
-            <p:cNvSpPr txBox="1"/>
-            <p:nvPr/>
-          </p:nvSpPr>
-          <p:spPr>
-            <a:xfrm>
-              <a:off x="4873478" y="5440752"/>
-              <a:ext cx="1341579" cy="236567"/>
-            </a:xfrm>
-            <a:prstGeom prst="rect">
-              <a:avLst/>
-            </a:prstGeom>
-            <a:noFill/>
-          </p:spPr>
-          <p:txBody>
-            <a:bodyPr wrap="square" rtlCol="0">
-              <a:spAutoFit/>
-            </a:bodyPr>
-            <a:lstStyle/>
-            <a:p>
-              <a:pPr algn="ctr"/>
-              <a:r>
-                <a:rPr lang="en-US" sz="2133">
-                  <a:solidFill>
-                    <a:srgbClr val="273D6C"/>
-                  </a:solidFill>
-                  <a:latin typeface="Bahnschrift Light" panose="020B0502040204020203" pitchFamily="34" charset="0"/>
-                  <a:cs typeface="Arial" panose="020B0604020202020204" pitchFamily="34" charset="0"/>
-                </a:rPr>
-                <a:t>Made in Vietnam</a:t>
-              </a:r>
+                <a:latin typeface="Tw Cen MT" panose="020B0602020104020603" pitchFamily="34" charset="0"/>
+              </a:endParaRPr>
             </a:p>
           </p:txBody>
         </p:sp>
       </p:grpSp>
+      <p:sp>
+        <p:nvSpPr>
+          <p:cNvPr id="21" name="Rectangle 20"/>
+          <p:cNvSpPr/>
+          <p:nvPr/>
+        </p:nvSpPr>
+        <p:spPr>
+          <a:xfrm>
+            <a:off x="9523" y="3620042"/>
+            <a:ext cx="2500313" cy="344570"/>
+          </a:xfrm>
+          <a:prstGeom prst="rect">
+            <a:avLst/>
+          </a:prstGeom>
+          <a:solidFill>
+            <a:srgbClr val="C7E000"/>
+          </a:solidFill>
+          <a:ln>
+            <a:noFill/>
+          </a:ln>
+        </p:spPr>
+        <p:style>
+          <a:lnRef idx="2">
+            <a:schemeClr val="accent1">
+              <a:shade val="50000"/>
+            </a:schemeClr>
+          </a:lnRef>
+          <a:fillRef idx="1">
+            <a:schemeClr val="accent1"/>
+          </a:fillRef>
+          <a:effectRef idx="0">
+            <a:schemeClr val="accent1"/>
+          </a:effectRef>
+          <a:fontRef idx="minor">
+            <a:schemeClr val="lt1"/>
+          </a:fontRef>
+        </p:style>
+        <p:txBody>
+          <a:bodyPr rtlCol="0" anchor="ctr"/>
+          <a:lstStyle/>
+          <a:p>
+            <a:pPr algn="ctr"/>
+            <a:endParaRPr lang="en-US"/>
+          </a:p>
+        </p:txBody>
+      </p:sp>
+      <p:sp>
+        <p:nvSpPr>
+          <p:cNvPr id="39" name="Rounded Rectangle 38"/>
+          <p:cNvSpPr/>
+          <p:nvPr/>
+        </p:nvSpPr>
+        <p:spPr>
+          <a:xfrm rot="10800000">
+            <a:off x="978298" y="3687124"/>
+            <a:ext cx="462757" cy="210406"/>
+          </a:xfrm>
+          <a:prstGeom prst="roundRect">
+            <a:avLst>
+              <a:gd name="adj" fmla="val 33266"/>
+            </a:avLst>
+          </a:prstGeom>
+          <a:solidFill>
+            <a:srgbClr val="FFFF85"/>
+          </a:solidFill>
+          <a:ln>
+            <a:prstDash val="sysDot"/>
+          </a:ln>
+        </p:spPr>
+        <p:style>
+          <a:lnRef idx="2">
+            <a:schemeClr val="accent1">
+              <a:shade val="50000"/>
+            </a:schemeClr>
+          </a:lnRef>
+          <a:fillRef idx="1">
+            <a:schemeClr val="accent1"/>
+          </a:fillRef>
+          <a:effectRef idx="0">
+            <a:schemeClr val="accent1"/>
+          </a:effectRef>
+          <a:fontRef idx="minor">
+            <a:schemeClr val="lt1"/>
+          </a:fontRef>
+        </p:style>
+        <p:txBody>
+          <a:bodyPr rtlCol="0" anchor="ctr"/>
+          <a:lstStyle/>
+          <a:p>
+            <a:pPr algn="ctr"/>
+            <a:endParaRPr lang="en-US"/>
+          </a:p>
+        </p:txBody>
+      </p:sp>
     </p:spTree>
     <p:extLst>
       <p:ext uri="{BB962C8B-B14F-4D97-AF65-F5344CB8AC3E}">
@@ -4573,7 +4165,7 @@
               <p:cNvPr id="3" name="Picture 2">
                 <a:extLst>
                   <a:ext uri="{FF2B5EF4-FFF2-40B4-BE49-F238E27FC236}">
-                    <a16:creationId xmlns:a16="http://schemas.microsoft.com/office/drawing/2014/main" xmlns="" id="{D7C813D9-65EA-47BB-BC50-BFC1C3582361}"/>
+                    <a16:creationId xmlns="" xmlns:a16="http://schemas.microsoft.com/office/drawing/2014/main" id="{D7C813D9-65EA-47BB-BC50-BFC1C3582361}"/>
                   </a:ext>
                 </a:extLst>
               </p:cNvPr>
@@ -5023,11 +4615,7 @@
           <a:p>
             <a:r>
               <a:rPr lang="en-US" sz="1600"/>
-              <a:t>15</a:t>
-            </a:r>
-            <a:r>
-              <a:rPr lang="en-US" sz="1600"/>
-              <a:t>% </a:t>
+              <a:t>15% </a:t>
             </a:r>
             <a:r>
               <a:rPr lang="en-US" sz="1600" smtClean="0"/>
@@ -5037,15 +4625,7 @@
           <a:p>
             <a:r>
               <a:rPr lang="en-US" sz="1600"/>
-              <a:t>5</a:t>
-            </a:r>
-            <a:r>
-              <a:rPr lang="en-US" sz="1600"/>
-              <a:t>% </a:t>
-            </a:r>
-            <a:r>
-              <a:rPr lang="en-US" sz="1600"/>
-              <a:t>Latex</a:t>
+              <a:t>5% Latex</a:t>
             </a:r>
           </a:p>
         </p:txBody>
@@ -5755,7 +5335,7 @@
           <p:cNvPr id="12" name="Picture 11">
             <a:extLst>
               <a:ext uri="{FF2B5EF4-FFF2-40B4-BE49-F238E27FC236}">
-                <a16:creationId xmlns:a16="http://schemas.microsoft.com/office/drawing/2014/main" xmlns="" id="{B94C6C91-9851-448C-978F-1D7BD93972D1}"/>
+                <a16:creationId xmlns="" xmlns:a16="http://schemas.microsoft.com/office/drawing/2014/main" id="{B94C6C91-9851-448C-978F-1D7BD93972D1}"/>
               </a:ext>
             </a:extLst>
           </p:cNvPr>
@@ -6123,7 +5703,7 @@
           <p:cNvPr id="12" name="Picture 11">
             <a:extLst>
               <a:ext uri="{FF2B5EF4-FFF2-40B4-BE49-F238E27FC236}">
-                <a16:creationId xmlns:a16="http://schemas.microsoft.com/office/drawing/2014/main" xmlns="" id="{B67A1B15-FD92-4C09-AA73-9B82C72E3D5A}"/>
+                <a16:creationId xmlns="" xmlns:a16="http://schemas.microsoft.com/office/drawing/2014/main" id="{B67A1B15-FD92-4C09-AA73-9B82C72E3D5A}"/>
               </a:ext>
             </a:extLst>
           </p:cNvPr>
